--- a/ppt/figma_ppt/uiux-Figma2.pptx
+++ b/ppt/figma_ppt/uiux-Figma2.pptx
@@ -5,7 +5,7 @@
     <p:sldMasterId id="2147483648" r:id="rId1"/>
   </p:sldMasterIdLst>
   <p:notesMasterIdLst>
-    <p:notesMasterId r:id="rId21"/>
+    <p:notesMasterId r:id="rId23"/>
   </p:notesMasterIdLst>
   <p:sldIdLst>
     <p:sldId id="256" r:id="rId2"/>
@@ -27,6 +27,8 @@
     <p:sldId id="316" r:id="rId18"/>
     <p:sldId id="313" r:id="rId19"/>
     <p:sldId id="315" r:id="rId20"/>
+    <p:sldId id="329" r:id="rId21"/>
+    <p:sldId id="330" r:id="rId22"/>
   </p:sldIdLst>
   <p:sldSz cx="9906000" cy="6858000" type="A4"/>
   <p:notesSz cx="6858000" cy="9144000"/>
@@ -226,7 +228,7 @@
           <a:p>
             <a:fld id="{7665CDAC-D627-4E87-877A-1B781DD4CADC}" type="datetimeFigureOut">
               <a:rPr lang="ko-KR" altLang="en-US" smtClean="0"/>
-              <a:t>2023-07-12</a:t>
+              <a:t>2023-07-19</a:t>
             </a:fld>
             <a:endParaRPr lang="ko-KR" altLang="en-US"/>
           </a:p>
@@ -640,7 +642,7 @@
           <a:p>
             <a:fld id="{C25BCFD5-C4DF-4EBC-B718-C69ED2FBDE6F}" type="datetime1">
               <a:rPr lang="ko-KR" altLang="en-US" smtClean="0"/>
-              <a:t>2023-07-12</a:t>
+              <a:t>2023-07-19</a:t>
             </a:fld>
             <a:endParaRPr lang="ko-KR" altLang="en-US"/>
           </a:p>
@@ -1063,7 +1065,7 @@
           <a:p>
             <a:fld id="{AB448CD7-D367-43D5-B461-ACE552E75063}" type="datetime1">
               <a:rPr lang="ko-KR" altLang="en-US" smtClean="0"/>
-              <a:t>2023-07-12</a:t>
+              <a:t>2023-07-19</a:t>
             </a:fld>
             <a:endParaRPr lang="ko-KR" altLang="en-US"/>
           </a:p>
@@ -1243,7 +1245,7 @@
           <a:p>
             <a:fld id="{B6E49E79-7361-4780-8BEF-7EDE3708298A}" type="datetime1">
               <a:rPr lang="ko-KR" altLang="en-US" smtClean="0"/>
-              <a:t>2023-07-12</a:t>
+              <a:t>2023-07-19</a:t>
             </a:fld>
             <a:endParaRPr lang="ko-KR" altLang="en-US"/>
           </a:p>
@@ -1417,7 +1419,7 @@
           <a:p>
             <a:fld id="{A4D42E3C-B70B-437C-85CF-1286301B9CBA}" type="datetime1">
               <a:rPr lang="ko-KR" altLang="en-US" smtClean="0"/>
-              <a:t>2023-07-12</a:t>
+              <a:t>2023-07-19</a:t>
             </a:fld>
             <a:endParaRPr lang="ko-KR" altLang="en-US"/>
           </a:p>
@@ -1663,7 +1665,7 @@
           <a:p>
             <a:fld id="{B3369A20-5B3D-4D98-A822-26B93D177A40}" type="datetime1">
               <a:rPr lang="ko-KR" altLang="en-US" smtClean="0"/>
-              <a:t>2023-07-12</a:t>
+              <a:t>2023-07-19</a:t>
             </a:fld>
             <a:endParaRPr lang="ko-KR" altLang="en-US"/>
           </a:p>
@@ -1951,7 +1953,7 @@
           <a:p>
             <a:fld id="{685CD4CE-9E43-4F70-A9D8-A2130CA7D92A}" type="datetime1">
               <a:rPr lang="ko-KR" altLang="en-US" smtClean="0"/>
-              <a:t>2023-07-12</a:t>
+              <a:t>2023-07-19</a:t>
             </a:fld>
             <a:endParaRPr lang="ko-KR" altLang="en-US"/>
           </a:p>
@@ -2373,7 +2375,7 @@
           <a:p>
             <a:fld id="{F752BD92-DA3E-4A0B-90C9-7DE5E15B6E96}" type="datetime1">
               <a:rPr lang="ko-KR" altLang="en-US" smtClean="0"/>
-              <a:t>2023-07-12</a:t>
+              <a:t>2023-07-19</a:t>
             </a:fld>
             <a:endParaRPr lang="ko-KR" altLang="en-US"/>
           </a:p>
@@ -2491,7 +2493,7 @@
           <a:p>
             <a:fld id="{8EA2B83A-F366-424E-B742-340ACF856BB5}" type="datetime1">
               <a:rPr lang="ko-KR" altLang="en-US" smtClean="0"/>
-              <a:t>2023-07-12</a:t>
+              <a:t>2023-07-19</a:t>
             </a:fld>
             <a:endParaRPr lang="ko-KR" altLang="en-US"/>
           </a:p>
@@ -2586,7 +2588,7 @@
           <a:p>
             <a:fld id="{9A49D68B-5DBD-48E9-A8D4-FCBC4B3DD9C6}" type="datetime1">
               <a:rPr lang="ko-KR" altLang="en-US" smtClean="0"/>
-              <a:t>2023-07-12</a:t>
+              <a:t>2023-07-19</a:t>
             </a:fld>
             <a:endParaRPr lang="ko-KR" altLang="en-US"/>
           </a:p>
@@ -2863,7 +2865,7 @@
           <a:p>
             <a:fld id="{4CAB534F-7D16-467B-9320-91F98915D181}" type="datetime1">
               <a:rPr lang="ko-KR" altLang="en-US" smtClean="0"/>
-              <a:t>2023-07-12</a:t>
+              <a:t>2023-07-19</a:t>
             </a:fld>
             <a:endParaRPr lang="ko-KR" altLang="en-US"/>
           </a:p>
@@ -3116,7 +3118,7 @@
           <a:p>
             <a:fld id="{A390A91F-2F8D-4486-A69D-D680F95444B0}" type="datetime1">
               <a:rPr lang="ko-KR" altLang="en-US" smtClean="0"/>
-              <a:t>2023-07-12</a:t>
+              <a:t>2023-07-19</a:t>
             </a:fld>
             <a:endParaRPr lang="ko-KR" altLang="en-US"/>
           </a:p>
@@ -3296,7 +3298,7 @@
           <a:p>
             <a:fld id="{2238BBEA-E8DD-414A-BF68-FC2AFA7CFF2D}" type="datetime1">
               <a:rPr lang="ko-KR" altLang="en-US" smtClean="0"/>
-              <a:t>2023-07-12</a:t>
+              <a:t>2023-07-19</a:t>
             </a:fld>
             <a:endParaRPr lang="ko-KR" altLang="en-US"/>
           </a:p>
@@ -6590,6 +6592,276 @@
     <p:extLst>
       <p:ext uri="{BB962C8B-B14F-4D97-AF65-F5344CB8AC3E}">
         <p14:creationId xmlns:p14="http://schemas.microsoft.com/office/powerpoint/2010/main" val="3878285939"/>
+      </p:ext>
+    </p:extLst>
+  </p:cSld>
+  <p:clrMapOvr>
+    <a:masterClrMapping/>
+  </p:clrMapOvr>
+  <p:timing>
+    <p:tnLst>
+      <p:par>
+        <p:cTn id="1" dur="indefinite" restart="never" nodeType="tmRoot"/>
+      </p:par>
+    </p:tnLst>
+  </p:timing>
+</p:sld>
+</file>
+
+<file path=ppt/slides/slide20.xml><?xml version="1.0" encoding="utf-8"?>
+<p:sld xmlns:a="http://schemas.openxmlformats.org/drawingml/2006/main" xmlns:r="http://schemas.openxmlformats.org/officeDocument/2006/relationships" xmlns:p="http://schemas.openxmlformats.org/presentationml/2006/main">
+  <p:cSld>
+    <p:spTree>
+      <p:nvGrpSpPr>
+        <p:cNvPr id="1" name=""/>
+        <p:cNvGrpSpPr/>
+        <p:nvPr/>
+      </p:nvGrpSpPr>
+      <p:grpSpPr>
+        <a:xfrm>
+          <a:off x="0" y="0"/>
+          <a:ext cx="0" cy="0"/>
+          <a:chOff x="0" y="0"/>
+          <a:chExt cx="0" cy="0"/>
+        </a:xfrm>
+      </p:grpSpPr>
+      <p:sp>
+        <p:nvSpPr>
+          <p:cNvPr id="2" name="제목 1"/>
+          <p:cNvSpPr>
+            <a:spLocks noGrp="1"/>
+          </p:cNvSpPr>
+          <p:nvPr>
+            <p:ph type="title"/>
+          </p:nvPr>
+        </p:nvSpPr>
+        <p:spPr>
+          <a:xfrm>
+            <a:off x="416497" y="197768"/>
+            <a:ext cx="6412780" cy="854968"/>
+          </a:xfrm>
+        </p:spPr>
+        <p:txBody>
+          <a:bodyPr>
+            <a:noAutofit/>
+          </a:bodyPr>
+          <a:lstStyle/>
+          <a:p>
+            <a:r>
+              <a:rPr lang="en-US" altLang="ko-KR" sz="2800" dirty="0" smtClean="0"/>
+              <a:t>   </a:t>
+            </a:r>
+            <a:r>
+              <a:rPr lang="ko-KR" altLang="en-US" sz="2800" dirty="0" smtClean="0"/>
+              <a:t>페르소나</a:t>
+            </a:r>
+            <a:r>
+              <a:rPr lang="en-US" altLang="ko-KR" sz="2800" dirty="0" smtClean="0"/>
+              <a:t>(Persona)</a:t>
+            </a:r>
+            <a:endParaRPr lang="ko-KR" altLang="en-US" sz="2800" dirty="0"/>
+          </a:p>
+        </p:txBody>
+      </p:sp>
+      <p:sp>
+        <p:nvSpPr>
+          <p:cNvPr id="4" name="슬라이드 번호 개체 틀 3"/>
+          <p:cNvSpPr>
+            <a:spLocks noGrp="1"/>
+          </p:cNvSpPr>
+          <p:nvPr>
+            <p:ph type="sldNum" sz="quarter" idx="12"/>
+          </p:nvPr>
+        </p:nvSpPr>
+        <p:spPr/>
+        <p:txBody>
+          <a:bodyPr/>
+          <a:lstStyle/>
+          <a:p>
+            <a:fld id="{1BDE3FE7-3AEA-4B05-AC5A-802D1816ACF0}" type="slidenum">
+              <a:rPr lang="ko-KR" altLang="en-US" smtClean="0"/>
+              <a:t>20</a:t>
+            </a:fld>
+            <a:endParaRPr lang="ko-KR" altLang="en-US"/>
+          </a:p>
+        </p:txBody>
+      </p:sp>
+      <p:pic>
+        <p:nvPicPr>
+          <p:cNvPr id="3" name="그림 2"/>
+          <p:cNvPicPr>
+            <a:picLocks noChangeAspect="1"/>
+          </p:cNvPicPr>
+          <p:nvPr/>
+        </p:nvPicPr>
+        <p:blipFill>
+          <a:blip r:embed="rId2">
+            <a:extLst>
+              <a:ext uri="{28A0092B-C50C-407E-A947-70E740481C1C}">
+                <a14:useLocalDpi xmlns:a14="http://schemas.microsoft.com/office/drawing/2010/main" val="0"/>
+              </a:ext>
+            </a:extLst>
+          </a:blip>
+          <a:stretch>
+            <a:fillRect/>
+          </a:stretch>
+        </p:blipFill>
+        <p:spPr>
+          <a:xfrm>
+            <a:off x="1064568" y="1268760"/>
+            <a:ext cx="7222629" cy="5256584"/>
+          </a:xfrm>
+          <a:prstGeom prst="rect">
+            <a:avLst/>
+          </a:prstGeom>
+          <a:ln>
+            <a:solidFill>
+              <a:schemeClr val="bg1">
+                <a:lumMod val="85000"/>
+              </a:schemeClr>
+            </a:solidFill>
+          </a:ln>
+        </p:spPr>
+      </p:pic>
+    </p:spTree>
+    <p:extLst>
+      <p:ext uri="{BB962C8B-B14F-4D97-AF65-F5344CB8AC3E}">
+        <p14:creationId xmlns:p14="http://schemas.microsoft.com/office/powerpoint/2010/main" val="1069476378"/>
+      </p:ext>
+    </p:extLst>
+  </p:cSld>
+  <p:clrMapOvr>
+    <a:masterClrMapping/>
+  </p:clrMapOvr>
+  <p:timing>
+    <p:tnLst>
+      <p:par>
+        <p:cTn id="1" dur="indefinite" restart="never" nodeType="tmRoot"/>
+      </p:par>
+    </p:tnLst>
+  </p:timing>
+</p:sld>
+</file>
+
+<file path=ppt/slides/slide21.xml><?xml version="1.0" encoding="utf-8"?>
+<p:sld xmlns:a="http://schemas.openxmlformats.org/drawingml/2006/main" xmlns:r="http://schemas.openxmlformats.org/officeDocument/2006/relationships" xmlns:p="http://schemas.openxmlformats.org/presentationml/2006/main">
+  <p:cSld>
+    <p:spTree>
+      <p:nvGrpSpPr>
+        <p:cNvPr id="1" name=""/>
+        <p:cNvGrpSpPr/>
+        <p:nvPr/>
+      </p:nvGrpSpPr>
+      <p:grpSpPr>
+        <a:xfrm>
+          <a:off x="0" y="0"/>
+          <a:ext cx="0" cy="0"/>
+          <a:chOff x="0" y="0"/>
+          <a:chExt cx="0" cy="0"/>
+        </a:xfrm>
+      </p:grpSpPr>
+      <p:sp>
+        <p:nvSpPr>
+          <p:cNvPr id="2" name="제목 1"/>
+          <p:cNvSpPr>
+            <a:spLocks noGrp="1"/>
+          </p:cNvSpPr>
+          <p:nvPr>
+            <p:ph type="title"/>
+          </p:nvPr>
+        </p:nvSpPr>
+        <p:spPr>
+          <a:xfrm>
+            <a:off x="416497" y="197768"/>
+            <a:ext cx="6412780" cy="854968"/>
+          </a:xfrm>
+        </p:spPr>
+        <p:txBody>
+          <a:bodyPr>
+            <a:noAutofit/>
+          </a:bodyPr>
+          <a:lstStyle/>
+          <a:p>
+            <a:r>
+              <a:rPr lang="en-US" altLang="ko-KR" sz="2800" dirty="0" smtClean="0"/>
+              <a:t>   </a:t>
+            </a:r>
+            <a:r>
+              <a:rPr lang="ko-KR" altLang="en-US" sz="2800" dirty="0" smtClean="0"/>
+              <a:t>페르소나</a:t>
+            </a:r>
+            <a:r>
+              <a:rPr lang="en-US" altLang="ko-KR" sz="2800" dirty="0" smtClean="0"/>
+              <a:t>(Persona)</a:t>
+            </a:r>
+            <a:endParaRPr lang="ko-KR" altLang="en-US" sz="2800" dirty="0"/>
+          </a:p>
+        </p:txBody>
+      </p:sp>
+      <p:sp>
+        <p:nvSpPr>
+          <p:cNvPr id="4" name="슬라이드 번호 개체 틀 3"/>
+          <p:cNvSpPr>
+            <a:spLocks noGrp="1"/>
+          </p:cNvSpPr>
+          <p:nvPr>
+            <p:ph type="sldNum" sz="quarter" idx="12"/>
+          </p:nvPr>
+        </p:nvSpPr>
+        <p:spPr/>
+        <p:txBody>
+          <a:bodyPr/>
+          <a:lstStyle/>
+          <a:p>
+            <a:fld id="{1BDE3FE7-3AEA-4B05-AC5A-802D1816ACF0}" type="slidenum">
+              <a:rPr lang="ko-KR" altLang="en-US" smtClean="0"/>
+              <a:t>21</a:t>
+            </a:fld>
+            <a:endParaRPr lang="ko-KR" altLang="en-US"/>
+          </a:p>
+        </p:txBody>
+      </p:sp>
+      <p:pic>
+        <p:nvPicPr>
+          <p:cNvPr id="5" name="그림 4"/>
+          <p:cNvPicPr>
+            <a:picLocks noChangeAspect="1"/>
+          </p:cNvPicPr>
+          <p:nvPr/>
+        </p:nvPicPr>
+        <p:blipFill>
+          <a:blip r:embed="rId2">
+            <a:extLst>
+              <a:ext uri="{28A0092B-C50C-407E-A947-70E740481C1C}">
+                <a14:useLocalDpi xmlns:a14="http://schemas.microsoft.com/office/drawing/2010/main" val="0"/>
+              </a:ext>
+            </a:extLst>
+          </a:blip>
+          <a:stretch>
+            <a:fillRect/>
+          </a:stretch>
+        </p:blipFill>
+        <p:spPr>
+          <a:xfrm>
+            <a:off x="1208584" y="1193060"/>
+            <a:ext cx="7534674" cy="5256585"/>
+          </a:xfrm>
+          <a:prstGeom prst="rect">
+            <a:avLst/>
+          </a:prstGeom>
+          <a:ln>
+            <a:solidFill>
+              <a:schemeClr val="bg1">
+                <a:lumMod val="85000"/>
+              </a:schemeClr>
+            </a:solidFill>
+          </a:ln>
+        </p:spPr>
+      </p:pic>
+    </p:spTree>
+    <p:extLst>
+      <p:ext uri="{BB962C8B-B14F-4D97-AF65-F5344CB8AC3E}">
+        <p14:creationId xmlns:p14="http://schemas.microsoft.com/office/powerpoint/2010/main" val="3034632569"/>
       </p:ext>
     </p:extLst>
   </p:cSld>
